--- a/受控文档/翻转课堂PPT/PRD2018-G09-翻转课堂PPT UML概述.pptx
+++ b/受控文档/翻转课堂PPT/PRD2018-G09-翻转课堂PPT UML概述.pptx
@@ -29066,17 +29066,7 @@
                 <a:latin typeface="张海山锐线体简" panose="02000000000000000000" pitchFamily="2" charset="-122"/>
                 <a:ea typeface="张海山锐线体简" panose="02000000000000000000" pitchFamily="2" charset="-122"/>
               </a:rPr>
-              <a:t>通过从需求的功能用例出发跟踪进入到系统中具体实现的类</a:t>
-            </a:r>
-            <a:r>
-              <a:rPr lang="zh-CN" altLang="en-US" sz="2000" dirty="0" smtClean="0">
-                <a:solidFill>
-                  <a:schemeClr val="bg1"/>
-                </a:solidFill>
-                <a:latin typeface="张海山锐线体简" panose="02000000000000000000" pitchFamily="2" charset="-122"/>
-                <a:ea typeface="张海山锐线体简" panose="02000000000000000000" pitchFamily="2" charset="-122"/>
-              </a:rPr>
-              <a:t>和方法</a:t>
+              <a:t>通过从需求的功能用例出发跟踪进入到系统中具体实现的类和方法</a:t>
             </a:r>
             <a:endParaRPr lang="zh-CN" altLang="en-US" sz="2000" dirty="0" smtClean="0">
               <a:solidFill>
